--- a/CMIYC-Overview v3.pptx
+++ b/CMIYC-Overview v3.pptx
@@ -9,9 +9,11 @@
     <p:sldId id="257" r:id="rId3"/>
     <p:sldId id="265" r:id="rId4"/>
     <p:sldId id="266" r:id="rId5"/>
-    <p:sldId id="267" r:id="rId6"/>
-    <p:sldId id="268" r:id="rId7"/>
-    <p:sldId id="269" r:id="rId8"/>
+    <p:sldId id="270" r:id="rId6"/>
+    <p:sldId id="271" r:id="rId7"/>
+    <p:sldId id="267" r:id="rId8"/>
+    <p:sldId id="268" r:id="rId9"/>
+    <p:sldId id="269" r:id="rId10"/>
   </p:sldIdLst>
   <p:sldSz cx="9144000" cy="6858000" type="screen4x3"/>
   <p:notesSz cx="6858000" cy="9144000"/>
@@ -3666,11 +3668,15 @@
             </a:pPr>
             <a:r>
               <a:rPr lang="en-US" dirty="0" smtClean="0"/>
-              <a:t>Each player has a device that provides </a:t>
+              <a:t>Each player has a device </a:t>
             </a:r>
             <a:r>
               <a:rPr lang="en-US" dirty="0" smtClean="0"/>
-              <a:t>them information during game play.</a:t>
+              <a:t>that is used to manage the information </a:t>
+            </a:r>
+            <a:r>
+              <a:rPr lang="en-US" dirty="0" smtClean="0"/>
+              <a:t>during game play.</a:t>
             </a:r>
           </a:p>
           <a:p>
@@ -3682,11 +3688,19 @@
             </a:pPr>
             <a:r>
               <a:rPr lang="en-US" dirty="0" smtClean="0"/>
-              <a:t>The objective of the game is for the Seeker to find the Target.  The </a:t>
+              <a:t>The objective of the game is for the Seeker to find the Target.  The Seeker is </a:t>
             </a:r>
             <a:r>
               <a:rPr lang="en-US" dirty="0" smtClean="0"/>
-              <a:t>Seeker is provide information that is accurate, but not necessarily delivered in a timely fashion.</a:t>
+              <a:t>provided </a:t>
+            </a:r>
+            <a:r>
+              <a:rPr lang="en-US" dirty="0" smtClean="0"/>
+              <a:t>information that is accurate, but not necessarily delivered in a timely fashion</a:t>
+            </a:r>
+            <a:r>
+              <a:rPr lang="en-US" dirty="0" smtClean="0"/>
+              <a:t>.  </a:t>
             </a:r>
             <a:endParaRPr lang="en-US" dirty="0" smtClean="0"/>
           </a:p>
@@ -3761,7 +3775,7 @@
         <p:spPr/>
         <p:txBody>
           <a:bodyPr>
-            <a:normAutofit/>
+            <a:normAutofit lnSpcReduction="10000"/>
           </a:bodyPr>
           <a:lstStyle/>
           <a:p>
@@ -3804,8 +3818,8 @@
               <a:buAutoNum type="arabicPeriod"/>
             </a:pPr>
             <a:r>
-              <a:rPr lang="en-US" smtClean="0"/>
-              <a:t>X</a:t>
+              <a:rPr lang="en-US" dirty="0" smtClean="0"/>
+              <a:t>The Target device is programed to keep track of movement and location.  At random intervals (between 30 seconds and 3 minutes) information is transmitted to the Seeker.  The information this is transmitted is not the most location current information, but rather the location at some random point of time in the past.</a:t>
             </a:r>
             <a:endParaRPr lang="en-US" dirty="0" smtClean="0"/>
           </a:p>
@@ -3861,7 +3875,15 @@
             <a:pPr marL="915988" indent="-915988"/>
             <a:r>
               <a:rPr lang="en-US" sz="2800" dirty="0" smtClean="0"/>
-              <a:t>	Variations</a:t>
+              <a:t>	</a:t>
+            </a:r>
+            <a:r>
+              <a:rPr lang="en-US" sz="2800" dirty="0" smtClean="0"/>
+              <a:t>Data</a:t>
+            </a:r>
+            <a:r>
+              <a:rPr lang="en-US" sz="2800" dirty="0" smtClean="0"/>
+              <a:t> Transmission Methods</a:t>
             </a:r>
             <a:endParaRPr lang="en-US" sz="2800" dirty="0"/>
           </a:p>
@@ -3884,51 +3906,85 @@
           </a:bodyPr>
           <a:lstStyle/>
           <a:p>
-            <a:pPr marL="0" indent="0">
+            <a:pPr marL="457200" indent="-457200">
               <a:spcBef>
                 <a:spcPts val="1800"/>
               </a:spcBef>
-              <a:buNone/>
+              <a:buAutoNum type="arabicPeriod"/>
             </a:pPr>
             <a:r>
-              <a:rPr lang="en-US" dirty="0"/>
-              <a:t>A</a:t>
-            </a:r>
-            <a:r>
               <a:rPr lang="en-US" dirty="0" smtClean="0"/>
-              <a:t> </a:t>
-            </a:r>
-          </a:p>
-          <a:p>
-            <a:pPr marL="0" indent="0">
+              <a:t>There are various methods that can be used to share information between two mobile devices.</a:t>
+            </a:r>
+          </a:p>
+          <a:p>
+            <a:pPr marL="457200" indent="-457200">
               <a:spcBef>
                 <a:spcPts val="1800"/>
               </a:spcBef>
-              <a:buNone/>
+              <a:buAutoNum type="arabicPeriod"/>
             </a:pPr>
             <a:r>
               <a:rPr lang="en-US" dirty="0" smtClean="0"/>
-              <a:t>B</a:t>
-            </a:r>
-          </a:p>
-          <a:p>
-            <a:pPr marL="0" indent="0">
+              <a:t>General </a:t>
+            </a:r>
+            <a:r>
+              <a:rPr lang="en-US" dirty="0"/>
+              <a:t>Packet Radio </a:t>
+            </a:r>
+            <a:r>
+              <a:rPr lang="en-US" dirty="0" smtClean="0"/>
+              <a:t>Service (GPRS) is the </a:t>
+            </a:r>
+            <a:r>
+              <a:rPr lang="en-US" dirty="0"/>
+              <a:t>packet-switched functionality </a:t>
+            </a:r>
+            <a:r>
+              <a:rPr lang="en-US" dirty="0" smtClean="0"/>
+              <a:t>for GSM.  GSM is used by AT&amp;T and T-Mobile in the United States. </a:t>
+            </a:r>
+            <a:r>
+              <a:rPr lang="en-US" dirty="0"/>
+              <a:t>GPRS is </a:t>
+            </a:r>
+            <a:r>
+              <a:rPr lang="en-US" dirty="0" smtClean="0"/>
+              <a:t>the technology that enables always</a:t>
+            </a:r>
+            <a:r>
+              <a:rPr lang="en-US" dirty="0"/>
+              <a:t>-on data connection for applications </a:t>
+            </a:r>
+            <a:r>
+              <a:rPr lang="en-US" dirty="0" smtClean="0"/>
+              <a:t>over the cellular network.</a:t>
+            </a:r>
+            <a:endParaRPr lang="en-US" dirty="0"/>
+          </a:p>
+          <a:p>
+            <a:pPr marL="457200" indent="-457200">
               <a:spcBef>
                 <a:spcPts val="1800"/>
               </a:spcBef>
-              <a:buNone/>
+              <a:buAutoNum type="arabicPeriod"/>
             </a:pPr>
             <a:r>
+              <a:rPr lang="en-US" dirty="0" err="1" smtClean="0"/>
+              <a:t>WiFi</a:t>
+            </a:r>
+            <a:r>
               <a:rPr lang="en-US" dirty="0" smtClean="0"/>
-              <a:t>C</a:t>
-            </a:r>
+              <a:t> can also be used where the device is accessible to 802.11 access points.</a:t>
+            </a:r>
+            <a:endParaRPr lang="en-US" dirty="0" smtClean="0"/>
           </a:p>
         </p:txBody>
       </p:sp>
     </p:spTree>
     <p:extLst>
       <p:ext uri="{BB962C8B-B14F-4D97-AF65-F5344CB8AC3E}">
-        <p14:creationId xmlns:p14="http://schemas.microsoft.com/office/powerpoint/2010/main" val="3807153156"/>
+        <p14:creationId xmlns:p14="http://schemas.microsoft.com/office/powerpoint/2010/main" val="210887878"/>
       </p:ext>
     </p:extLst>
   </p:cSld>
@@ -3975,7 +4031,158 @@
             <a:pPr marL="915988" indent="-915988"/>
             <a:r>
               <a:rPr lang="en-US" sz="2800" dirty="0" smtClean="0"/>
-              <a:t>	Issues</a:t>
+              <a:t>	</a:t>
+            </a:r>
+            <a:r>
+              <a:rPr lang="en-US" sz="2800" dirty="0" smtClean="0"/>
+              <a:t>Information Sharing Methods</a:t>
+            </a:r>
+            <a:endParaRPr lang="en-US" sz="2800" dirty="0"/>
+          </a:p>
+        </p:txBody>
+      </p:sp>
+      <p:sp>
+        <p:nvSpPr>
+          <p:cNvPr id="3" name="Content Placeholder 2"/>
+          <p:cNvSpPr>
+            <a:spLocks noGrp="1"/>
+          </p:cNvSpPr>
+          <p:nvPr>
+            <p:ph idx="1"/>
+          </p:nvPr>
+        </p:nvSpPr>
+        <p:spPr/>
+        <p:txBody>
+          <a:bodyPr>
+            <a:normAutofit lnSpcReduction="10000"/>
+          </a:bodyPr>
+          <a:lstStyle/>
+          <a:p>
+            <a:pPr marL="0" indent="0">
+              <a:spcBef>
+                <a:spcPts val="1800"/>
+              </a:spcBef>
+              <a:buNone/>
+            </a:pPr>
+            <a:r>
+              <a:rPr lang="en-US" dirty="0" smtClean="0"/>
+              <a:t>In addition to the transmission, user access to the game information can be supported through various means.  Some of these include:</a:t>
+            </a:r>
+          </a:p>
+          <a:p>
+            <a:pPr marL="463550" indent="-239713">
+              <a:spcBef>
+                <a:spcPts val="1800"/>
+              </a:spcBef>
+            </a:pPr>
+            <a:r>
+              <a:rPr lang="en-US" dirty="0" smtClean="0"/>
+              <a:t>SMS or text messaging for sharing short message of information over the cellular network.</a:t>
+            </a:r>
+          </a:p>
+          <a:p>
+            <a:pPr marL="463550" indent="-239713">
+              <a:spcBef>
+                <a:spcPts val="1800"/>
+              </a:spcBef>
+            </a:pPr>
+            <a:r>
+              <a:rPr lang="en-US" dirty="0" smtClean="0"/>
+              <a:t>Twitter for sharing short messages that can be accessible by many users or over different devices.</a:t>
+            </a:r>
+            <a:endParaRPr lang="en-US" dirty="0"/>
+          </a:p>
+          <a:p>
+            <a:pPr marL="463550" indent="-239713">
+              <a:spcBef>
+                <a:spcPts val="1800"/>
+              </a:spcBef>
+            </a:pPr>
+            <a:r>
+              <a:rPr lang="en-US" dirty="0" smtClean="0"/>
+              <a:t>Other API-based communications / data sharing interfaces, such as </a:t>
+            </a:r>
+            <a:r>
+              <a:rPr lang="en-US" dirty="0" err="1" smtClean="0"/>
+              <a:t>Twilio</a:t>
+            </a:r>
+            <a:r>
+              <a:rPr lang="en-US" dirty="0" smtClean="0"/>
+              <a:t>.</a:t>
+            </a:r>
+          </a:p>
+          <a:p>
+            <a:pPr marL="463550" indent="-239713">
+              <a:spcBef>
+                <a:spcPts val="1800"/>
+              </a:spcBef>
+            </a:pPr>
+            <a:r>
+              <a:rPr lang="en-US" dirty="0" smtClean="0"/>
+              <a:t> HTTP GET/POST interface to share information with a web application environment.</a:t>
+            </a:r>
+          </a:p>
+          <a:p>
+            <a:pPr marL="463550" indent="-239713">
+              <a:spcBef>
+                <a:spcPts val="1800"/>
+              </a:spcBef>
+            </a:pPr>
+            <a:endParaRPr lang="en-US" dirty="0"/>
+          </a:p>
+        </p:txBody>
+      </p:sp>
+    </p:spTree>
+    <p:extLst>
+      <p:ext uri="{BB962C8B-B14F-4D97-AF65-F5344CB8AC3E}">
+        <p14:creationId xmlns:p14="http://schemas.microsoft.com/office/powerpoint/2010/main" val="29225127"/>
+      </p:ext>
+    </p:extLst>
+  </p:cSld>
+  <p:clrMapOvr>
+    <a:masterClrMapping/>
+  </p:clrMapOvr>
+</p:sld>
+</file>
+
+<file path=ppt/slides/slide7.xml><?xml version="1.0" encoding="utf-8"?>
+<p:sld xmlns:a="http://schemas.openxmlformats.org/drawingml/2006/main" xmlns:r="http://schemas.openxmlformats.org/officeDocument/2006/relationships" xmlns:p="http://schemas.openxmlformats.org/presentationml/2006/main">
+  <p:cSld>
+    <p:spTree>
+      <p:nvGrpSpPr>
+        <p:cNvPr id="1" name=""/>
+        <p:cNvGrpSpPr/>
+        <p:nvPr/>
+      </p:nvGrpSpPr>
+      <p:grpSpPr>
+        <a:xfrm>
+          <a:off x="0" y="0"/>
+          <a:ext cx="0" cy="0"/>
+          <a:chOff x="0" y="0"/>
+          <a:chExt cx="0" cy="0"/>
+        </a:xfrm>
+      </p:grpSpPr>
+      <p:sp>
+        <p:nvSpPr>
+          <p:cNvPr id="2" name="Title 1"/>
+          <p:cNvSpPr>
+            <a:spLocks noGrp="1"/>
+          </p:cNvSpPr>
+          <p:nvPr>
+            <p:ph type="title"/>
+          </p:nvPr>
+        </p:nvSpPr>
+        <p:spPr/>
+        <p:txBody>
+          <a:bodyPr>
+            <a:normAutofit/>
+          </a:bodyPr>
+          <a:lstStyle/>
+          <a:p>
+            <a:pPr marL="915988" indent="-915988"/>
+            <a:r>
+              <a:rPr lang="en-US" sz="2800" dirty="0" smtClean="0"/>
+              <a:t>	</a:t>
             </a:r>
             <a:endParaRPr lang="en-US" sz="2800" dirty="0"/>
           </a:p>
@@ -4052,7 +4259,121 @@
 </p:sld>
 </file>
 
-<file path=ppt/slides/slide7.xml><?xml version="1.0" encoding="utf-8"?>
+<file path=ppt/slides/slide8.xml><?xml version="1.0" encoding="utf-8"?>
+<p:sld xmlns:a="http://schemas.openxmlformats.org/drawingml/2006/main" xmlns:r="http://schemas.openxmlformats.org/officeDocument/2006/relationships" xmlns:p="http://schemas.openxmlformats.org/presentationml/2006/main">
+  <p:cSld>
+    <p:spTree>
+      <p:nvGrpSpPr>
+        <p:cNvPr id="1" name=""/>
+        <p:cNvGrpSpPr/>
+        <p:nvPr/>
+      </p:nvGrpSpPr>
+      <p:grpSpPr>
+        <a:xfrm>
+          <a:off x="0" y="0"/>
+          <a:ext cx="0" cy="0"/>
+          <a:chOff x="0" y="0"/>
+          <a:chExt cx="0" cy="0"/>
+        </a:xfrm>
+      </p:grpSpPr>
+      <p:sp>
+        <p:nvSpPr>
+          <p:cNvPr id="2" name="Title 1"/>
+          <p:cNvSpPr>
+            <a:spLocks noGrp="1"/>
+          </p:cNvSpPr>
+          <p:nvPr>
+            <p:ph type="title"/>
+          </p:nvPr>
+        </p:nvSpPr>
+        <p:spPr/>
+        <p:txBody>
+          <a:bodyPr>
+            <a:normAutofit/>
+          </a:bodyPr>
+          <a:lstStyle/>
+          <a:p>
+            <a:pPr marL="915988" indent="-915988"/>
+            <a:r>
+              <a:rPr lang="en-US" sz="2800" dirty="0" smtClean="0"/>
+              <a:t>	Issues</a:t>
+            </a:r>
+            <a:endParaRPr lang="en-US" sz="2800" dirty="0"/>
+          </a:p>
+        </p:txBody>
+      </p:sp>
+      <p:sp>
+        <p:nvSpPr>
+          <p:cNvPr id="3" name="Content Placeholder 2"/>
+          <p:cNvSpPr>
+            <a:spLocks noGrp="1"/>
+          </p:cNvSpPr>
+          <p:nvPr>
+            <p:ph idx="1"/>
+          </p:nvPr>
+        </p:nvSpPr>
+        <p:spPr/>
+        <p:txBody>
+          <a:bodyPr>
+            <a:normAutofit/>
+          </a:bodyPr>
+          <a:lstStyle/>
+          <a:p>
+            <a:pPr marL="0" indent="0">
+              <a:spcBef>
+                <a:spcPts val="1800"/>
+              </a:spcBef>
+              <a:buNone/>
+            </a:pPr>
+            <a:r>
+              <a:rPr lang="en-US" dirty="0"/>
+              <a:t>A</a:t>
+            </a:r>
+            <a:r>
+              <a:rPr lang="en-US" dirty="0" smtClean="0"/>
+              <a:t> </a:t>
+            </a:r>
+          </a:p>
+          <a:p>
+            <a:pPr marL="0" indent="0">
+              <a:spcBef>
+                <a:spcPts val="1800"/>
+              </a:spcBef>
+              <a:buNone/>
+            </a:pPr>
+            <a:r>
+              <a:rPr lang="en-US" dirty="0" smtClean="0"/>
+              <a:t>B</a:t>
+            </a:r>
+          </a:p>
+          <a:p>
+            <a:pPr marL="0" indent="0">
+              <a:spcBef>
+                <a:spcPts val="1800"/>
+              </a:spcBef>
+              <a:buNone/>
+            </a:pPr>
+            <a:r>
+              <a:rPr lang="en-US" dirty="0" smtClean="0"/>
+              <a:t>C</a:t>
+            </a:r>
+          </a:p>
+        </p:txBody>
+      </p:sp>
+    </p:spTree>
+    <p:extLst>
+      <p:ext uri="{BB962C8B-B14F-4D97-AF65-F5344CB8AC3E}">
+        <p14:creationId xmlns:p14="http://schemas.microsoft.com/office/powerpoint/2010/main" val="3807153156"/>
+      </p:ext>
+    </p:extLst>
+  </p:cSld>
+  <p:clrMapOvr>
+    <a:masterClrMapping/>
+  </p:clrMapOvr>
+</p:sld>
+</file>
+
+<file path=ppt/slides/slide9.xml><?xml version="1.0" encoding="utf-8"?>
 <p:sld xmlns:a="http://schemas.openxmlformats.org/drawingml/2006/main" xmlns:r="http://schemas.openxmlformats.org/officeDocument/2006/relationships" xmlns:p="http://schemas.openxmlformats.org/presentationml/2006/main">
   <p:cSld>
     <p:spTree>
